--- a/LG presentation_condensed.pptx
+++ b/LG presentation_condensed.pptx
@@ -1,12 +1,15 @@
 
 <file path=ppt/presentation.xml><?xml version="1.0" encoding="utf-8"?>
-<p:presentation xmlns:a="http://schemas.openxmlformats.org/drawingml/2006/main" xmlns:r="http://schemas.openxmlformats.org/officeDocument/2006/relationships" xmlns:p="http://schemas.openxmlformats.org/presentationml/2006/main" saveSubsetFonts="1">
+<p:presentation xmlns:a="http://schemas.openxmlformats.org/drawingml/2006/main" xmlns:r="http://schemas.openxmlformats.org/officeDocument/2006/relationships" xmlns:p="http://schemas.openxmlformats.org/presentationml/2006/main" showSpecialPlsOnTitleSld="0" saveSubsetFonts="1">
   <p:sldMasterIdLst>
     <p:sldMasterId id="2147483768" r:id="rId1"/>
   </p:sldMasterIdLst>
   <p:notesMasterIdLst>
     <p:notesMasterId r:id="rId13"/>
   </p:notesMasterIdLst>
+  <p:handoutMasterIdLst>
+    <p:handoutMasterId r:id="rId14"/>
+  </p:handoutMasterIdLst>
   <p:sldIdLst>
     <p:sldId id="256" r:id="rId2"/>
     <p:sldId id="258" r:id="rId3"/>
@@ -120,6 +123,172 @@
 </p:presentation>
 </file>
 
+<file path=ppt/handoutMasters/handoutMaster1.xml><?xml version="1.0" encoding="utf-8"?>
+<p:handoutMaster xmlns:a="http://schemas.openxmlformats.org/drawingml/2006/main" xmlns:r="http://schemas.openxmlformats.org/officeDocument/2006/relationships" xmlns:p="http://schemas.openxmlformats.org/presentationml/2006/main">
+  <p:cSld>
+    <p:bg>
+      <p:bgRef idx="1001">
+        <a:schemeClr val="bg1"/>
+      </p:bgRef>
+    </p:bg>
+    <p:spTree>
+      <p:nvGrpSpPr>
+        <p:cNvPr id="1" name=""/>
+        <p:cNvGrpSpPr/>
+        <p:nvPr/>
+      </p:nvGrpSpPr>
+      <p:grpSpPr>
+        <a:xfrm>
+          <a:off x="0" y="0"/>
+          <a:ext cx="0" cy="0"/>
+          <a:chOff x="0" y="0"/>
+          <a:chExt cx="0" cy="0"/>
+        </a:xfrm>
+      </p:grpSpPr>
+      <p:sp>
+        <p:nvSpPr>
+          <p:cNvPr id="2" name="Header Placeholder 1"/>
+          <p:cNvSpPr>
+            <a:spLocks noGrp="1"/>
+          </p:cNvSpPr>
+          <p:nvPr>
+            <p:ph type="hdr" sz="quarter"/>
+          </p:nvPr>
+        </p:nvSpPr>
+        <p:spPr>
+          <a:xfrm>
+            <a:off x="0" y="0"/>
+            <a:ext cx="3076575" cy="511175"/>
+          </a:xfrm>
+          <a:prstGeom prst="rect">
+            <a:avLst/>
+          </a:prstGeom>
+        </p:spPr>
+        <p:txBody>
+          <a:bodyPr vert="horz" lIns="91440" tIns="45720" rIns="91440" bIns="45720" rtlCol="0"/>
+          <a:lstStyle>
+            <a:lvl1pPr algn="l">
+              <a:defRPr sz="1200"/>
+            </a:lvl1pPr>
+          </a:lstStyle>
+          <a:p>
+            <a:endParaRPr lang="en-GB"/>
+          </a:p>
+        </p:txBody>
+      </p:sp>
+      <p:sp>
+        <p:nvSpPr>
+          <p:cNvPr id="3" name="Date Placeholder 2"/>
+          <p:cNvSpPr>
+            <a:spLocks noGrp="1"/>
+          </p:cNvSpPr>
+          <p:nvPr>
+            <p:ph type="dt" sz="quarter" idx="1"/>
+          </p:nvPr>
+        </p:nvSpPr>
+        <p:spPr>
+          <a:xfrm>
+            <a:off x="4021138" y="0"/>
+            <a:ext cx="3076575" cy="511175"/>
+          </a:xfrm>
+          <a:prstGeom prst="rect">
+            <a:avLst/>
+          </a:prstGeom>
+        </p:spPr>
+        <p:txBody>
+          <a:bodyPr vert="horz" lIns="91440" tIns="45720" rIns="91440" bIns="45720" rtlCol="0"/>
+          <a:lstStyle>
+            <a:lvl1pPr algn="r">
+              <a:defRPr sz="1200"/>
+            </a:lvl1pPr>
+          </a:lstStyle>
+          <a:p>
+            <a:fld id="{1BED8E56-57ED-44F5-B51E-B3D64FE51DC5}" type="datetimeFigureOut">
+              <a:rPr lang="en-GB" smtClean="0"/>
+              <a:t>08/11/2017</a:t>
+            </a:fld>
+            <a:endParaRPr lang="en-GB"/>
+          </a:p>
+        </p:txBody>
+      </p:sp>
+      <p:sp>
+        <p:nvSpPr>
+          <p:cNvPr id="4" name="Footer Placeholder 3"/>
+          <p:cNvSpPr>
+            <a:spLocks noGrp="1"/>
+          </p:cNvSpPr>
+          <p:nvPr>
+            <p:ph type="ftr" sz="quarter" idx="2"/>
+          </p:nvPr>
+        </p:nvSpPr>
+        <p:spPr>
+          <a:xfrm>
+            <a:off x="0" y="9721850"/>
+            <a:ext cx="3076575" cy="511175"/>
+          </a:xfrm>
+          <a:prstGeom prst="rect">
+            <a:avLst/>
+          </a:prstGeom>
+        </p:spPr>
+        <p:txBody>
+          <a:bodyPr vert="horz" lIns="91440" tIns="45720" rIns="91440" bIns="45720" rtlCol="0" anchor="b"/>
+          <a:lstStyle>
+            <a:lvl1pPr algn="l">
+              <a:defRPr sz="1200"/>
+            </a:lvl1pPr>
+          </a:lstStyle>
+          <a:p>
+            <a:endParaRPr lang="en-GB"/>
+          </a:p>
+        </p:txBody>
+      </p:sp>
+      <p:sp>
+        <p:nvSpPr>
+          <p:cNvPr id="5" name="Slide Number Placeholder 4"/>
+          <p:cNvSpPr>
+            <a:spLocks noGrp="1"/>
+          </p:cNvSpPr>
+          <p:nvPr>
+            <p:ph type="sldNum" sz="quarter" idx="3"/>
+          </p:nvPr>
+        </p:nvSpPr>
+        <p:spPr>
+          <a:xfrm>
+            <a:off x="4021138" y="9721850"/>
+            <a:ext cx="3076575" cy="511175"/>
+          </a:xfrm>
+          <a:prstGeom prst="rect">
+            <a:avLst/>
+          </a:prstGeom>
+        </p:spPr>
+        <p:txBody>
+          <a:bodyPr vert="horz" lIns="91440" tIns="45720" rIns="91440" bIns="45720" rtlCol="0" anchor="b"/>
+          <a:lstStyle>
+            <a:lvl1pPr algn="r">
+              <a:defRPr sz="1200"/>
+            </a:lvl1pPr>
+          </a:lstStyle>
+          <a:p>
+            <a:fld id="{12E44693-E236-40E6-846D-40000E2D74D3}" type="slidenum">
+              <a:rPr lang="en-GB" smtClean="0"/>
+              <a:t>‹#›</a:t>
+            </a:fld>
+            <a:endParaRPr lang="en-GB"/>
+          </a:p>
+        </p:txBody>
+      </p:sp>
+    </p:spTree>
+    <p:extLst>
+      <p:ext uri="{BB962C8B-B14F-4D97-AF65-F5344CB8AC3E}">
+        <p14:creationId xmlns:p14="http://schemas.microsoft.com/office/powerpoint/2010/main" val="4163826571"/>
+      </p:ext>
+    </p:extLst>
+  </p:cSld>
+  <p:clrMap bg1="lt1" tx1="dk1" bg2="lt2" tx2="dk2" accent1="accent1" accent2="accent2" accent3="accent3" accent4="accent4" accent5="accent5" accent6="accent6" hlink="hlink" folHlink="folHlink"/>
+  <p:hf hdr="0" ftr="0" dt="0"/>
+</p:handoutMaster>
+</file>
+
 <file path=ppt/notesMasters/notesMaster1.xml><?xml version="1.0" encoding="utf-8"?>
 <p:notesMaster xmlns:a="http://schemas.openxmlformats.org/drawingml/2006/main" xmlns:r="http://schemas.openxmlformats.org/officeDocument/2006/relationships" xmlns:p="http://schemas.openxmlformats.org/presentationml/2006/main">
   <p:cSld>
@@ -202,7 +371,7 @@
           <a:p>
             <a:fld id="{E778FFA8-9D70-436C-9F20-174F839EDCF6}" type="datetimeFigureOut">
               <a:rPr lang="en-GB" smtClean="0"/>
-              <a:t>07/11/2017</a:t>
+              <a:t>08/11/2017</a:t>
             </a:fld>
             <a:endParaRPr lang="en-GB" dirty="0"/>
           </a:p>
@@ -375,6 +544,7 @@
     </p:extLst>
   </p:cSld>
   <p:clrMap bg1="lt1" tx1="dk1" bg2="lt2" tx2="dk2" accent1="accent1" accent2="accent2" accent3="accent3" accent4="accent4" accent5="accent5" accent6="accent6" hlink="hlink" folHlink="folHlink"/>
+  <p:hf hdr="0" ftr="0" dt="0"/>
   <p:notesStyle>
     <a:lvl1pPr marL="0" algn="l" defTabSz="914400" rtl="0" eaLnBrk="1" latinLnBrk="0" hangingPunct="1">
       <a:defRPr sz="1200" kern="1200">
@@ -1368,6 +1538,90 @@
 </p:notes>
 </file>
 
+<file path=ppt/notesSlides/notesSlide7.xml><?xml version="1.0" encoding="utf-8"?>
+<p:notes xmlns:a="http://schemas.openxmlformats.org/drawingml/2006/main" xmlns:r="http://schemas.openxmlformats.org/officeDocument/2006/relationships" xmlns:p="http://schemas.openxmlformats.org/presentationml/2006/main">
+  <p:cSld>
+    <p:spTree>
+      <p:nvGrpSpPr>
+        <p:cNvPr id="1" name=""/>
+        <p:cNvGrpSpPr/>
+        <p:nvPr/>
+      </p:nvGrpSpPr>
+      <p:grpSpPr>
+        <a:xfrm>
+          <a:off x="0" y="0"/>
+          <a:ext cx="0" cy="0"/>
+          <a:chOff x="0" y="0"/>
+          <a:chExt cx="0" cy="0"/>
+        </a:xfrm>
+      </p:grpSpPr>
+      <p:sp>
+        <p:nvSpPr>
+          <p:cNvPr id="2" name="Slide Image Placeholder 1"/>
+          <p:cNvSpPr>
+            <a:spLocks noGrp="1" noRot="1" noChangeAspect="1"/>
+          </p:cNvSpPr>
+          <p:nvPr>
+            <p:ph type="sldImg"/>
+          </p:nvPr>
+        </p:nvSpPr>
+        <p:spPr/>
+      </p:sp>
+      <p:sp>
+        <p:nvSpPr>
+          <p:cNvPr id="3" name="Notes Placeholder 2"/>
+          <p:cNvSpPr>
+            <a:spLocks noGrp="1"/>
+          </p:cNvSpPr>
+          <p:nvPr>
+            <p:ph type="body" idx="1"/>
+          </p:nvPr>
+        </p:nvSpPr>
+        <p:spPr/>
+        <p:txBody>
+          <a:bodyPr/>
+          <a:lstStyle/>
+          <a:p>
+            <a:endParaRPr lang="en-GB"/>
+          </a:p>
+        </p:txBody>
+      </p:sp>
+      <p:sp>
+        <p:nvSpPr>
+          <p:cNvPr id="4" name="Slide Number Placeholder 3"/>
+          <p:cNvSpPr>
+            <a:spLocks noGrp="1"/>
+          </p:cNvSpPr>
+          <p:nvPr>
+            <p:ph type="sldNum" sz="quarter" idx="10"/>
+          </p:nvPr>
+        </p:nvSpPr>
+        <p:spPr/>
+        <p:txBody>
+          <a:bodyPr/>
+          <a:lstStyle/>
+          <a:p>
+            <a:fld id="{5909DF50-1DBA-4A2C-A904-287F3A0D22EA}" type="slidenum">
+              <a:rPr lang="en-GB" smtClean="0"/>
+              <a:t>11</a:t>
+            </a:fld>
+            <a:endParaRPr lang="en-GB" dirty="0"/>
+          </a:p>
+        </p:txBody>
+      </p:sp>
+    </p:spTree>
+    <p:extLst>
+      <p:ext uri="{BB962C8B-B14F-4D97-AF65-F5344CB8AC3E}">
+        <p14:creationId xmlns:p14="http://schemas.microsoft.com/office/powerpoint/2010/main" val="3602166809"/>
+      </p:ext>
+    </p:extLst>
+  </p:cSld>
+  <p:clrMapOvr>
+    <a:masterClrMapping/>
+  </p:clrMapOvr>
+</p:notes>
+</file>
+
 <file path=ppt/slideLayouts/slideLayout1.xml><?xml version="1.0" encoding="utf-8"?>
 <p:sldLayout xmlns:a="http://schemas.openxmlformats.org/drawingml/2006/main" xmlns:r="http://schemas.openxmlformats.org/officeDocument/2006/relationships" xmlns:p="http://schemas.openxmlformats.org/presentationml/2006/main" type="title" preserve="1">
   <p:cSld name="Title Slide">
@@ -1554,9 +1808,9 @@
           <a:bodyPr/>
           <a:lstStyle/>
           <a:p>
-            <a:fld id="{366B98E0-C345-4B94-BDD0-D671FFE88784}" type="datetimeFigureOut">
+            <a:fld id="{E9E97C5F-5174-4D95-96BF-13E0C2561085}" type="datetime1">
               <a:rPr lang="en-GB" smtClean="0"/>
-              <a:t>07/11/2017</a:t>
+              <a:t>08/11/2017</a:t>
             </a:fld>
             <a:endParaRPr lang="en-GB" dirty="0"/>
           </a:p>
@@ -1577,6 +1831,10 @@
           <a:bodyPr/>
           <a:lstStyle/>
           <a:p>
+            <a:r>
+              <a:rPr lang="en-GB" smtClean="0"/>
+              <a:t>111</a:t>
+            </a:r>
             <a:endParaRPr lang="en-GB" dirty="0"/>
           </a:p>
         </p:txBody>
@@ -1754,9 +2012,9 @@
           <a:bodyPr/>
           <a:lstStyle/>
           <a:p>
-            <a:fld id="{366B98E0-C345-4B94-BDD0-D671FFE88784}" type="datetimeFigureOut">
+            <a:fld id="{8A96B646-5BBF-44D3-8584-00FCF57F54EF}" type="datetime1">
               <a:rPr lang="en-GB" smtClean="0"/>
-              <a:t>07/11/2017</a:t>
+              <a:t>08/11/2017</a:t>
             </a:fld>
             <a:endParaRPr lang="en-GB" dirty="0"/>
           </a:p>
@@ -1777,6 +2035,10 @@
           <a:bodyPr/>
           <a:lstStyle/>
           <a:p>
+            <a:r>
+              <a:rPr lang="en-GB" smtClean="0"/>
+              <a:t>111</a:t>
+            </a:r>
             <a:endParaRPr lang="en-GB" dirty="0"/>
           </a:p>
         </p:txBody>
@@ -1929,9 +2191,9 @@
           <a:bodyPr/>
           <a:lstStyle/>
           <a:p>
-            <a:fld id="{366B98E0-C345-4B94-BDD0-D671FFE88784}" type="datetimeFigureOut">
+            <a:fld id="{12368169-3258-48A6-A2C0-89E078C9783A}" type="datetime1">
               <a:rPr lang="en-GB" smtClean="0"/>
-              <a:t>07/11/2017</a:t>
+              <a:t>08/11/2017</a:t>
             </a:fld>
             <a:endParaRPr lang="en-GB" dirty="0"/>
           </a:p>
@@ -1952,6 +2214,10 @@
           <a:bodyPr/>
           <a:lstStyle/>
           <a:p>
+            <a:r>
+              <a:rPr lang="en-GB" smtClean="0"/>
+              <a:t>111</a:t>
+            </a:r>
             <a:endParaRPr lang="en-GB" dirty="0"/>
           </a:p>
         </p:txBody>
@@ -2094,9 +2360,9 @@
           <a:bodyPr/>
           <a:lstStyle/>
           <a:p>
-            <a:fld id="{366B98E0-C345-4B94-BDD0-D671FFE88784}" type="datetimeFigureOut">
+            <a:fld id="{81368EE7-5310-42CE-A6B9-103688750FB5}" type="datetime1">
               <a:rPr lang="en-GB" smtClean="0"/>
-              <a:t>07/11/2017</a:t>
+              <a:t>08/11/2017</a:t>
             </a:fld>
             <a:endParaRPr lang="en-GB" dirty="0"/>
           </a:p>
@@ -2117,6 +2383,10 @@
           <a:bodyPr/>
           <a:lstStyle/>
           <a:p>
+            <a:r>
+              <a:rPr lang="en-GB" smtClean="0"/>
+              <a:t>111</a:t>
+            </a:r>
             <a:endParaRPr lang="en-GB" dirty="0"/>
           </a:p>
         </p:txBody>
@@ -2342,9 +2612,9 @@
           <a:bodyPr/>
           <a:lstStyle/>
           <a:p>
-            <a:fld id="{366B98E0-C345-4B94-BDD0-D671FFE88784}" type="datetimeFigureOut">
+            <a:fld id="{545E048E-2526-477A-B5B7-8C32057C1ADA}" type="datetime1">
               <a:rPr lang="en-GB" smtClean="0"/>
-              <a:t>07/11/2017</a:t>
+              <a:t>08/11/2017</a:t>
             </a:fld>
             <a:endParaRPr lang="en-GB" dirty="0"/>
           </a:p>
@@ -2365,6 +2635,10 @@
           <a:bodyPr/>
           <a:lstStyle/>
           <a:p>
+            <a:r>
+              <a:rPr lang="en-GB" smtClean="0"/>
+              <a:t>111</a:t>
+            </a:r>
             <a:endParaRPr lang="en-GB" dirty="0"/>
           </a:p>
         </p:txBody>
@@ -2660,9 +2934,9 @@
           <a:bodyPr/>
           <a:lstStyle/>
           <a:p>
-            <a:fld id="{366B98E0-C345-4B94-BDD0-D671FFE88784}" type="datetimeFigureOut">
+            <a:fld id="{29D7DEEB-6091-40B4-A63F-C53396F6AAE9}" type="datetime1">
               <a:rPr lang="en-GB" smtClean="0"/>
-              <a:t>07/11/2017</a:t>
+              <a:t>08/11/2017</a:t>
             </a:fld>
             <a:endParaRPr lang="en-GB" dirty="0"/>
           </a:p>
@@ -2683,6 +2957,10 @@
           <a:bodyPr/>
           <a:lstStyle/>
           <a:p>
+            <a:r>
+              <a:rPr lang="en-GB" smtClean="0"/>
+              <a:t>111</a:t>
+            </a:r>
             <a:endParaRPr lang="en-GB" dirty="0"/>
           </a:p>
         </p:txBody>
@@ -3126,9 +3404,9 @@
           <a:bodyPr/>
           <a:lstStyle/>
           <a:p>
-            <a:fld id="{366B98E0-C345-4B94-BDD0-D671FFE88784}" type="datetimeFigureOut">
+            <a:fld id="{54C4E7B8-657B-4356-8431-72A11907D1FA}" type="datetime1">
               <a:rPr lang="en-GB" smtClean="0"/>
-              <a:t>07/11/2017</a:t>
+              <a:t>08/11/2017</a:t>
             </a:fld>
             <a:endParaRPr lang="en-GB" dirty="0"/>
           </a:p>
@@ -3149,6 +3427,10 @@
           <a:bodyPr/>
           <a:lstStyle/>
           <a:p>
+            <a:r>
+              <a:rPr lang="en-GB" smtClean="0"/>
+              <a:t>111</a:t>
+            </a:r>
             <a:endParaRPr lang="en-GB" dirty="0"/>
           </a:p>
         </p:txBody>
@@ -3274,9 +3556,9 @@
           <a:bodyPr/>
           <a:lstStyle/>
           <a:p>
-            <a:fld id="{366B98E0-C345-4B94-BDD0-D671FFE88784}" type="datetimeFigureOut">
+            <a:fld id="{737E2FD0-9B18-4328-9614-A6B87056A27E}" type="datetime1">
               <a:rPr lang="en-GB" smtClean="0"/>
-              <a:t>07/11/2017</a:t>
+              <a:t>08/11/2017</a:t>
             </a:fld>
             <a:endParaRPr lang="en-GB" dirty="0"/>
           </a:p>
@@ -3297,6 +3579,10 @@
           <a:bodyPr/>
           <a:lstStyle/>
           <a:p>
+            <a:r>
+              <a:rPr lang="en-GB" smtClean="0"/>
+              <a:t>111</a:t>
+            </a:r>
             <a:endParaRPr lang="en-GB" dirty="0"/>
           </a:p>
         </p:txBody>
@@ -3364,9 +3650,9 @@
           <a:bodyPr/>
           <a:lstStyle/>
           <a:p>
-            <a:fld id="{366B98E0-C345-4B94-BDD0-D671FFE88784}" type="datetimeFigureOut">
+            <a:fld id="{B8A1BAA0-8F55-4F05-B2F5-F55ACD249744}" type="datetime1">
               <a:rPr lang="en-GB" smtClean="0"/>
-              <a:t>07/11/2017</a:t>
+              <a:t>08/11/2017</a:t>
             </a:fld>
             <a:endParaRPr lang="en-GB" dirty="0"/>
           </a:p>
@@ -3387,6 +3673,10 @@
           <a:bodyPr/>
           <a:lstStyle/>
           <a:p>
+            <a:r>
+              <a:rPr lang="en-GB" smtClean="0"/>
+              <a:t>111</a:t>
+            </a:r>
             <a:endParaRPr lang="en-GB" dirty="0"/>
           </a:p>
         </p:txBody>
@@ -3638,9 +3928,9 @@
           <a:bodyPr/>
           <a:lstStyle/>
           <a:p>
-            <a:fld id="{366B98E0-C345-4B94-BDD0-D671FFE88784}" type="datetimeFigureOut">
+            <a:fld id="{AB2C1B48-BFDE-4585-A6B9-E068FE3A1351}" type="datetime1">
               <a:rPr lang="en-GB" smtClean="0"/>
-              <a:t>07/11/2017</a:t>
+              <a:t>08/11/2017</a:t>
             </a:fld>
             <a:endParaRPr lang="en-GB" dirty="0"/>
           </a:p>
@@ -3661,6 +3951,10 @@
           <a:bodyPr/>
           <a:lstStyle/>
           <a:p>
+            <a:r>
+              <a:rPr lang="en-GB" smtClean="0"/>
+              <a:t>111</a:t>
+            </a:r>
             <a:endParaRPr lang="en-GB" dirty="0"/>
           </a:p>
         </p:txBody>
@@ -3943,9 +4237,9 @@
           <a:bodyPr/>
           <a:lstStyle/>
           <a:p>
-            <a:fld id="{366B98E0-C345-4B94-BDD0-D671FFE88784}" type="datetimeFigureOut">
+            <a:fld id="{D082BD3D-1473-4471-9C65-DE6F20912BE0}" type="datetime1">
               <a:rPr lang="en-GB" smtClean="0"/>
-              <a:t>07/11/2017</a:t>
+              <a:t>08/11/2017</a:t>
             </a:fld>
             <a:endParaRPr lang="en-GB" dirty="0"/>
           </a:p>
@@ -3966,6 +4260,10 @@
           <a:bodyPr/>
           <a:lstStyle/>
           <a:p>
+            <a:r>
+              <a:rPr lang="en-GB" smtClean="0"/>
+              <a:t>111</a:t>
+            </a:r>
             <a:endParaRPr lang="en-GB" dirty="0"/>
           </a:p>
         </p:txBody>
@@ -4241,9 +4539,9 @@
             </a:lvl1pPr>
           </a:lstStyle>
           <a:p>
-            <a:fld id="{366B98E0-C345-4B94-BDD0-D671FFE88784}" type="datetimeFigureOut">
+            <a:fld id="{93A06DAD-880B-4927-B344-9358A2F8B7CC}" type="datetime1">
               <a:rPr lang="en-GB" smtClean="0"/>
-              <a:t>07/11/2017</a:t>
+              <a:t>08/11/2017</a:t>
             </a:fld>
             <a:endParaRPr lang="en-GB" dirty="0"/>
           </a:p>
@@ -4280,6 +4578,10 @@
             </a:lvl1pPr>
           </a:lstStyle>
           <a:p>
+            <a:r>
+              <a:rPr lang="en-GB" smtClean="0"/>
+              <a:t>111</a:t>
+            </a:r>
             <a:endParaRPr lang="en-GB" dirty="0"/>
           </a:p>
         </p:txBody>
@@ -4339,6 +4641,7 @@
     <p:sldLayoutId id="2147483778" r:id="rId10"/>
     <p:sldLayoutId id="2147483779" r:id="rId11"/>
   </p:sldLayoutIdLst>
+  <p:hf hdr="0" ftr="0" dt="0"/>
   <p:txStyles>
     <p:titleStyle>
       <a:lvl1pPr algn="l" defTabSz="914400" rtl="0" eaLnBrk="1" latinLnBrk="0" hangingPunct="1">
@@ -4799,21 +5102,8 @@
                   <a:schemeClr val="tx2"/>
                 </a:solidFill>
               </a:rPr>
-              <a:t>The optimised model delivered an AUC score of </a:t>
-            </a:r>
-            <a:r>
-              <a:rPr lang="en-GB" sz="1800" dirty="0" smtClean="0">
-                <a:solidFill>
-                  <a:schemeClr val="tx2"/>
-                </a:solidFill>
-              </a:rPr>
-              <a:t>0.7223.</a:t>
-            </a:r>
-            <a:endParaRPr lang="en-GB" sz="1800" dirty="0" smtClean="0">
-              <a:solidFill>
-                <a:schemeClr val="tx2"/>
-              </a:solidFill>
-            </a:endParaRPr>
+              <a:t>The optimised model delivered an AUC score of 0.7223.</a:t>
+            </a:r>
           </a:p>
           <a:p>
             <a:pPr marL="0" indent="0">
@@ -4915,7 +5205,7 @@
                   <a:schemeClr val="tx2"/>
                 </a:solidFill>
               </a:rPr>
-              <a:t>Parameter tuning </a:t>
+              <a:t>Parameter tuning and feature </a:t>
             </a:r>
             <a:r>
               <a:rPr lang="en-GB" sz="1800" dirty="0" smtClean="0">
@@ -4923,7 +5213,7 @@
                   <a:schemeClr val="tx2"/>
                 </a:solidFill>
               </a:rPr>
-              <a:t>and feature elimination improved </a:t>
+              <a:t>selection improved </a:t>
             </a:r>
             <a:r>
               <a:rPr lang="en-GB" sz="1800" dirty="0" smtClean="0">
@@ -5002,6 +5292,29 @@
           </a:extLst>
         </p:spPr>
       </p:pic>
+      <p:sp>
+        <p:nvSpPr>
+          <p:cNvPr id="8" name="Slide Number Placeholder 7"/>
+          <p:cNvSpPr>
+            <a:spLocks noGrp="1"/>
+          </p:cNvSpPr>
+          <p:nvPr>
+            <p:ph type="sldNum" sz="quarter" idx="12"/>
+          </p:nvPr>
+        </p:nvSpPr>
+        <p:spPr/>
+        <p:txBody>
+          <a:bodyPr/>
+          <a:lstStyle/>
+          <a:p>
+            <a:fld id="{3DD209D1-1A67-41ED-9987-4447C459BBD5}" type="slidenum">
+              <a:rPr lang="en-GB" smtClean="0"/>
+              <a:t>10</a:t>
+            </a:fld>
+            <a:endParaRPr lang="en-GB" dirty="0"/>
+          </a:p>
+        </p:txBody>
+      </p:sp>
     </p:spTree>
     <p:extLst>
       <p:ext uri="{BB962C8B-B14F-4D97-AF65-F5344CB8AC3E}">
@@ -5083,15 +5396,7 @@
                   <a:schemeClr val="tx2"/>
                 </a:solidFill>
               </a:rPr>
-              <a:t>The model outperforms random guessing in predicting loan defaults</a:t>
-            </a:r>
-            <a:r>
-              <a:rPr lang="en-GB" sz="1800" dirty="0" smtClean="0">
-                <a:solidFill>
-                  <a:schemeClr val="tx2"/>
-                </a:solidFill>
-              </a:rPr>
-              <a:t>.</a:t>
+              <a:t>The model outperforms random guessing in predicting loan defaults.</a:t>
             </a:r>
           </a:p>
           <a:p>
@@ -5108,11 +5413,6 @@
               </a:rPr>
               <a:t>The model identifies features with high and low odds for bad loans.</a:t>
             </a:r>
-            <a:endParaRPr lang="en-GB" sz="1800" dirty="0" smtClean="0">
-              <a:solidFill>
-                <a:schemeClr val="tx2"/>
-              </a:solidFill>
-            </a:endParaRPr>
           </a:p>
           <a:p>
             <a:pPr marL="0" indent="0">
@@ -5290,6 +5590,29 @@
                 <a:schemeClr val="tx2"/>
               </a:solidFill>
             </a:endParaRPr>
+          </a:p>
+        </p:txBody>
+      </p:sp>
+      <p:sp>
+        <p:nvSpPr>
+          <p:cNvPr id="8" name="Slide Number Placeholder 7"/>
+          <p:cNvSpPr>
+            <a:spLocks noGrp="1"/>
+          </p:cNvSpPr>
+          <p:nvPr>
+            <p:ph type="sldNum" sz="quarter" idx="12"/>
+          </p:nvPr>
+        </p:nvSpPr>
+        <p:spPr/>
+        <p:txBody>
+          <a:bodyPr/>
+          <a:lstStyle/>
+          <a:p>
+            <a:fld id="{3DD209D1-1A67-41ED-9987-4447C459BBD5}" type="slidenum">
+              <a:rPr lang="en-GB" smtClean="0"/>
+              <a:t>11</a:t>
+            </a:fld>
+            <a:endParaRPr lang="en-GB" dirty="0"/>
           </a:p>
         </p:txBody>
       </p:sp>
@@ -5429,32 +5752,19 @@
                   <a:schemeClr val="tx2"/>
                 </a:solidFill>
               </a:rPr>
-              <a:t>Optimising model </a:t>
-            </a:r>
+              <a:t>Optimising model parameters</a:t>
+            </a:r>
+          </a:p>
+          <a:p>
+            <a:pPr lvl="1"/>
             <a:r>
               <a:rPr lang="en-GB" dirty="0" smtClean="0">
                 <a:solidFill>
                   <a:schemeClr val="tx2"/>
                 </a:solidFill>
               </a:rPr>
-              <a:t>parameters</a:t>
-            </a:r>
-          </a:p>
-          <a:p>
-            <a:pPr lvl="1"/>
-            <a:r>
-              <a:rPr lang="en-GB" dirty="0" smtClean="0">
-                <a:solidFill>
-                  <a:schemeClr val="tx2"/>
-                </a:solidFill>
-              </a:rPr>
               <a:t>Feature selection</a:t>
             </a:r>
-            <a:endParaRPr lang="en-GB" dirty="0" smtClean="0">
-              <a:solidFill>
-                <a:schemeClr val="tx2"/>
-              </a:solidFill>
-            </a:endParaRPr>
           </a:p>
           <a:p>
             <a:r>
@@ -5485,6 +5795,29 @@
                 <a:schemeClr val="tx2"/>
               </a:solidFill>
             </a:endParaRPr>
+          </a:p>
+        </p:txBody>
+      </p:sp>
+      <p:sp>
+        <p:nvSpPr>
+          <p:cNvPr id="8" name="Slide Number Placeholder 7"/>
+          <p:cNvSpPr>
+            <a:spLocks noGrp="1"/>
+          </p:cNvSpPr>
+          <p:nvPr>
+            <p:ph type="sldNum" sz="quarter" idx="12"/>
+          </p:nvPr>
+        </p:nvSpPr>
+        <p:spPr/>
+        <p:txBody>
+          <a:bodyPr/>
+          <a:lstStyle/>
+          <a:p>
+            <a:fld id="{3DD209D1-1A67-41ED-9987-4447C459BBD5}" type="slidenum">
+              <a:rPr lang="en-GB" smtClean="0"/>
+              <a:t>2</a:t>
+            </a:fld>
+            <a:endParaRPr lang="en-GB" dirty="0"/>
           </a:p>
         </p:txBody>
       </p:sp>
@@ -5633,6 +5966,29 @@
           </a:p>
         </p:txBody>
       </p:sp>
+      <p:sp>
+        <p:nvSpPr>
+          <p:cNvPr id="8" name="Slide Number Placeholder 7"/>
+          <p:cNvSpPr>
+            <a:spLocks noGrp="1"/>
+          </p:cNvSpPr>
+          <p:nvPr>
+            <p:ph type="sldNum" sz="quarter" idx="12"/>
+          </p:nvPr>
+        </p:nvSpPr>
+        <p:spPr/>
+        <p:txBody>
+          <a:bodyPr/>
+          <a:lstStyle/>
+          <a:p>
+            <a:fld id="{3DD209D1-1A67-41ED-9987-4447C459BBD5}" type="slidenum">
+              <a:rPr lang="en-GB" smtClean="0"/>
+              <a:t>3</a:t>
+            </a:fld>
+            <a:endParaRPr lang="en-GB" dirty="0"/>
+          </a:p>
+        </p:txBody>
+      </p:sp>
     </p:spTree>
     <p:extLst>
       <p:ext uri="{BB962C8B-B14F-4D97-AF65-F5344CB8AC3E}">
@@ -5724,11 +6080,6 @@
               </a:rPr>
               <a:t>Each row represents a customer.</a:t>
             </a:r>
-            <a:endParaRPr lang="en-GB" sz="1600" dirty="0" smtClean="0">
-              <a:solidFill>
-                <a:schemeClr val="tx2"/>
-              </a:solidFill>
-            </a:endParaRPr>
           </a:p>
           <a:p>
             <a:pPr>
@@ -6120,11 +6471,29 @@
               </a:rPr>
               <a:t>The unbalanced nature of the data will have to be considered when making predictions.</a:t>
             </a:r>
-            <a:endParaRPr lang="en-GB" sz="1600" dirty="0">
-              <a:solidFill>
-                <a:schemeClr val="tx2"/>
-              </a:solidFill>
-            </a:endParaRPr>
+          </a:p>
+        </p:txBody>
+      </p:sp>
+      <p:sp>
+        <p:nvSpPr>
+          <p:cNvPr id="10" name="Slide Number Placeholder 9"/>
+          <p:cNvSpPr>
+            <a:spLocks noGrp="1"/>
+          </p:cNvSpPr>
+          <p:nvPr>
+            <p:ph type="sldNum" sz="quarter" idx="12"/>
+          </p:nvPr>
+        </p:nvSpPr>
+        <p:spPr/>
+        <p:txBody>
+          <a:bodyPr/>
+          <a:lstStyle/>
+          <a:p>
+            <a:fld id="{3DD209D1-1A67-41ED-9987-4447C459BBD5}" type="slidenum">
+              <a:rPr lang="en-GB" smtClean="0"/>
+              <a:t>4</a:t>
+            </a:fld>
+            <a:endParaRPr lang="en-GB" dirty="0"/>
           </a:p>
         </p:txBody>
       </p:sp>
@@ -6358,6 +6727,29 @@
           </a:p>
         </p:txBody>
       </p:sp>
+      <p:sp>
+        <p:nvSpPr>
+          <p:cNvPr id="7" name="Slide Number Placeholder 6"/>
+          <p:cNvSpPr>
+            <a:spLocks noGrp="1"/>
+          </p:cNvSpPr>
+          <p:nvPr>
+            <p:ph type="sldNum" sz="quarter" idx="12"/>
+          </p:nvPr>
+        </p:nvSpPr>
+        <p:spPr/>
+        <p:txBody>
+          <a:bodyPr/>
+          <a:lstStyle/>
+          <a:p>
+            <a:fld id="{3DD209D1-1A67-41ED-9987-4447C459BBD5}" type="slidenum">
+              <a:rPr lang="en-GB" smtClean="0"/>
+              <a:t>5</a:t>
+            </a:fld>
+            <a:endParaRPr lang="en-GB" dirty="0"/>
+          </a:p>
+        </p:txBody>
+      </p:sp>
     </p:spTree>
     <p:extLst>
       <p:ext uri="{BB962C8B-B14F-4D97-AF65-F5344CB8AC3E}">
@@ -6645,6 +7037,29 @@
                 <a:schemeClr val="tx2"/>
               </a:solidFill>
             </a:endParaRPr>
+          </a:p>
+        </p:txBody>
+      </p:sp>
+      <p:sp>
+        <p:nvSpPr>
+          <p:cNvPr id="8" name="Slide Number Placeholder 7"/>
+          <p:cNvSpPr>
+            <a:spLocks noGrp="1"/>
+          </p:cNvSpPr>
+          <p:nvPr>
+            <p:ph type="sldNum" sz="quarter" idx="12"/>
+          </p:nvPr>
+        </p:nvSpPr>
+        <p:spPr/>
+        <p:txBody>
+          <a:bodyPr/>
+          <a:lstStyle/>
+          <a:p>
+            <a:fld id="{3DD209D1-1A67-41ED-9987-4447C459BBD5}" type="slidenum">
+              <a:rPr lang="en-GB" smtClean="0"/>
+              <a:t>6</a:t>
+            </a:fld>
+            <a:endParaRPr lang="en-GB" dirty="0"/>
           </a:p>
         </p:txBody>
       </p:sp>
@@ -6765,17 +7180,17 @@
         </p:nvSpPr>
         <p:spPr>
           <a:xfrm>
-            <a:off x="6588222" y="5733256"/>
-            <a:ext cx="2145557" cy="792088"/>
+            <a:off x="6386884" y="5733256"/>
+            <a:ext cx="2361580" cy="792088"/>
           </a:xfrm>
           <a:prstGeom prst="borderCallout2">
             <a:avLst>
               <a:gd name="adj1" fmla="val 44237"/>
               <a:gd name="adj2" fmla="val -6119"/>
-              <a:gd name="adj3" fmla="val 26246"/>
-              <a:gd name="adj4" fmla="val -16114"/>
-              <a:gd name="adj5" fmla="val 12303"/>
-              <a:gd name="adj6" fmla="val -25281"/>
+              <a:gd name="adj3" fmla="val 30744"/>
+              <a:gd name="adj4" fmla="val -14103"/>
+              <a:gd name="adj5" fmla="val 19799"/>
+              <a:gd name="adj6" fmla="val -21258"/>
             </a:avLst>
           </a:prstGeom>
         </p:spPr>
@@ -6801,8 +7216,13 @@
           <a:p>
             <a:r>
               <a:rPr lang="en-GB" b="1" dirty="0" smtClean="0"/>
-              <a:t>Initial AUC score:</a:t>
-            </a:r>
+              <a:t>Initial AUC </a:t>
+            </a:r>
+            <a:r>
+              <a:rPr lang="en-GB" b="1" dirty="0" smtClean="0"/>
+              <a:t>score:</a:t>
+            </a:r>
+            <a:endParaRPr lang="en-GB" b="1" dirty="0" smtClean="0"/>
           </a:p>
           <a:p>
             <a:r>
@@ -6863,6 +7283,29 @@
           </a:p>
         </p:txBody>
       </p:sp>
+      <p:sp>
+        <p:nvSpPr>
+          <p:cNvPr id="9" name="Slide Number Placeholder 8"/>
+          <p:cNvSpPr>
+            <a:spLocks noGrp="1"/>
+          </p:cNvSpPr>
+          <p:nvPr>
+            <p:ph type="sldNum" sz="quarter" idx="12"/>
+          </p:nvPr>
+        </p:nvSpPr>
+        <p:spPr/>
+        <p:txBody>
+          <a:bodyPr/>
+          <a:lstStyle/>
+          <a:p>
+            <a:fld id="{3DD209D1-1A67-41ED-9987-4447C459BBD5}" type="slidenum">
+              <a:rPr lang="en-GB" smtClean="0"/>
+              <a:t>7</a:t>
+            </a:fld>
+            <a:endParaRPr lang="en-GB" dirty="0"/>
+          </a:p>
+        </p:txBody>
+      </p:sp>
     </p:spTree>
     <p:extLst>
       <p:ext uri="{BB962C8B-B14F-4D97-AF65-F5344CB8AC3E}">
@@ -6941,7 +7384,7 @@
         </p:blipFill>
         <p:spPr bwMode="auto">
           <a:xfrm>
-            <a:off x="323528" y="2203672"/>
+            <a:off x="323528" y="2203884"/>
             <a:ext cx="8415353" cy="3708000"/>
           </a:xfrm>
           <a:prstGeom prst="rect">
@@ -6989,8 +7432,8 @@
               <a:gd name="adj2" fmla="val -2554"/>
               <a:gd name="adj3" fmla="val 37702"/>
               <a:gd name="adj4" fmla="val -18979"/>
-              <a:gd name="adj5" fmla="val 59495"/>
-              <a:gd name="adj6" fmla="val -55769"/>
+              <a:gd name="adj5" fmla="val 87404"/>
+              <a:gd name="adj6" fmla="val -52752"/>
             </a:avLst>
           </a:prstGeom>
         </p:spPr>
@@ -7031,16 +7474,16 @@
         <p:spPr>
           <a:xfrm>
             <a:off x="6516216" y="5733256"/>
-            <a:ext cx="2361580" cy="936104"/>
+            <a:ext cx="2361580" cy="648072"/>
           </a:xfrm>
           <a:prstGeom prst="borderCallout2">
             <a:avLst>
-              <a:gd name="adj1" fmla="val 48911"/>
-              <a:gd name="adj2" fmla="val -6375"/>
-              <a:gd name="adj3" fmla="val 39294"/>
-              <a:gd name="adj4" fmla="val -14430"/>
-              <a:gd name="adj5" fmla="val 29159"/>
-              <a:gd name="adj6" fmla="val -23586"/>
+              <a:gd name="adj1" fmla="val 64372"/>
+              <a:gd name="adj2" fmla="val -3358"/>
+              <a:gd name="adj3" fmla="val 51663"/>
+              <a:gd name="adj4" fmla="val -12418"/>
+              <a:gd name="adj5" fmla="val 40497"/>
+              <a:gd name="adj6" fmla="val -20066"/>
             </a:avLst>
           </a:prstGeom>
         </p:spPr>
@@ -7066,13 +7509,32 @@
           <a:p>
             <a:r>
               <a:rPr lang="en-GB" b="1" dirty="0" smtClean="0"/>
-              <a:t>The optimised model generates an AUC of </a:t>
-            </a:r>
-            <a:r>
-              <a:rPr lang="en-GB" b="1" dirty="0" smtClean="0"/>
-              <a:t>0.7216</a:t>
+              <a:t>Optimised AUC score: 0.7216</a:t>
             </a:r>
             <a:endParaRPr lang="en-GB" b="1" dirty="0"/>
+          </a:p>
+        </p:txBody>
+      </p:sp>
+      <p:sp>
+        <p:nvSpPr>
+          <p:cNvPr id="9" name="Slide Number Placeholder 8"/>
+          <p:cNvSpPr>
+            <a:spLocks noGrp="1"/>
+          </p:cNvSpPr>
+          <p:nvPr>
+            <p:ph type="sldNum" sz="quarter" idx="12"/>
+          </p:nvPr>
+        </p:nvSpPr>
+        <p:spPr/>
+        <p:txBody>
+          <a:bodyPr/>
+          <a:lstStyle/>
+          <a:p>
+            <a:fld id="{3DD209D1-1A67-41ED-9987-4447C459BBD5}" type="slidenum">
+              <a:rPr lang="en-GB" smtClean="0"/>
+              <a:t>8</a:t>
+            </a:fld>
+            <a:endParaRPr lang="en-GB" dirty="0"/>
           </a:p>
         </p:txBody>
       </p:sp>
@@ -7123,11 +7585,7 @@
           <a:p>
             <a:r>
               <a:rPr lang="en-GB" dirty="0" smtClean="0"/>
-              <a:t>Results: </a:t>
-            </a:r>
-            <a:r>
-              <a:rPr lang="en-GB" dirty="0" smtClean="0"/>
-              <a:t>Feature selection</a:t>
+              <a:t>Results: Feature selection</a:t>
             </a:r>
             <a:endParaRPr lang="en-GB" dirty="0"/>
           </a:p>
@@ -7205,7 +7663,7 @@
         </p:spPr>
         <p:txBody>
           <a:bodyPr>
-            <a:normAutofit/>
+            <a:noAutofit/>
           </a:bodyPr>
           <a:lstStyle/>
           <a:p>
@@ -7221,15 +7679,7 @@
                   <a:schemeClr val="tx2"/>
                 </a:solidFill>
               </a:rPr>
-              <a:t>Highest </a:t>
-            </a:r>
-            <a:r>
-              <a:rPr lang="en-GB" sz="1600" b="1" dirty="0" smtClean="0">
-                <a:solidFill>
-                  <a:schemeClr val="tx2"/>
-                </a:solidFill>
-              </a:rPr>
-              <a:t>odds for bad loans:</a:t>
+              <a:t>Highest odds for bad loans:</a:t>
             </a:r>
             <a:r>
               <a:rPr lang="en-GB" sz="1600" dirty="0" smtClean="0">
@@ -7257,15 +7707,7 @@
                   <a:schemeClr val="tx2"/>
                 </a:solidFill>
               </a:rPr>
-              <a:t>FICO </a:t>
-            </a:r>
-            <a:r>
-              <a:rPr lang="en-GB" sz="1600" dirty="0" smtClean="0">
-                <a:solidFill>
-                  <a:schemeClr val="tx2"/>
-                </a:solidFill>
-              </a:rPr>
-              <a:t>Credit Score Good	</a:t>
+              <a:t>FICO Credit Score Good	</a:t>
             </a:r>
             <a:endParaRPr lang="en-GB" sz="1600" dirty="0">
               <a:solidFill>
@@ -7285,15 +7727,7 @@
                   <a:schemeClr val="tx2"/>
                 </a:solidFill>
               </a:rPr>
-              <a:t>FICO </a:t>
-            </a:r>
-            <a:r>
-              <a:rPr lang="en-GB" sz="1600" dirty="0" smtClean="0">
-                <a:solidFill>
-                  <a:schemeClr val="tx2"/>
-                </a:solidFill>
-              </a:rPr>
-              <a:t>Credit Score Very Good</a:t>
+              <a:t>FICO Credit Score Very Good</a:t>
             </a:r>
           </a:p>
           <a:p>
@@ -7441,8 +7875,29 @@
                   <a:schemeClr val="tx2"/>
                 </a:solidFill>
               </a:rPr>
-              <a:t>Loan Term 36 Months</a:t>
-            </a:r>
+              <a:t>Loan Term 36 </a:t>
+            </a:r>
+            <a:r>
+              <a:rPr lang="en-GB" sz="1600" dirty="0" smtClean="0">
+                <a:solidFill>
+                  <a:schemeClr val="tx2"/>
+                </a:solidFill>
+              </a:rPr>
+              <a:t>Months</a:t>
+            </a:r>
+          </a:p>
+          <a:p>
+            <a:pPr marL="161925" lvl="1" indent="0">
+              <a:buClr>
+                <a:schemeClr val="tx2"/>
+              </a:buClr>
+              <a:buNone/>
+            </a:pPr>
+            <a:endParaRPr lang="en-GB" sz="1600" dirty="0" smtClean="0">
+              <a:solidFill>
+                <a:schemeClr val="tx2"/>
+              </a:solidFill>
+            </a:endParaRPr>
           </a:p>
           <a:p>
             <a:pPr marL="0" indent="0">
@@ -7493,17 +7948,17 @@
         </p:nvSpPr>
         <p:spPr>
           <a:xfrm>
-            <a:off x="3187436" y="2348880"/>
-            <a:ext cx="2176652" cy="936104"/>
+            <a:off x="2687159" y="1916832"/>
+            <a:ext cx="2484276" cy="1440160"/>
           </a:xfrm>
           <a:prstGeom prst="borderCallout2">
             <a:avLst>
-              <a:gd name="adj1" fmla="val 102992"/>
-              <a:gd name="adj2" fmla="val 11787"/>
-              <a:gd name="adj3" fmla="val 130638"/>
-              <a:gd name="adj4" fmla="val 9387"/>
-              <a:gd name="adj5" fmla="val 156744"/>
-              <a:gd name="adj6" fmla="val 7273"/>
+              <a:gd name="adj1" fmla="val 100518"/>
+              <a:gd name="adj2" fmla="val 31864"/>
+              <a:gd name="adj3" fmla="val 114971"/>
+              <a:gd name="adj4" fmla="val 29942"/>
+              <a:gd name="adj5" fmla="val 132831"/>
+              <a:gd name="adj6" fmla="val 27350"/>
             </a:avLst>
           </a:prstGeom>
         </p:spPr>
@@ -7529,9 +7984,36 @@
           <a:p>
             <a:r>
               <a:rPr lang="en-GB" b="1" dirty="0" smtClean="0"/>
-              <a:t>Features with odd ratios of 1 have been eliminated</a:t>
+              <a:t>Features with odd ratios of 1 have been </a:t>
+            </a:r>
+            <a:r>
+              <a:rPr lang="en-GB" b="1" dirty="0" smtClean="0"/>
+              <a:t>removed, which increased  the AUC score to 0.7223.</a:t>
             </a:r>
             <a:endParaRPr lang="en-GB" b="1" dirty="0"/>
+          </a:p>
+        </p:txBody>
+      </p:sp>
+      <p:sp>
+        <p:nvSpPr>
+          <p:cNvPr id="9" name="Slide Number Placeholder 8"/>
+          <p:cNvSpPr>
+            <a:spLocks noGrp="1"/>
+          </p:cNvSpPr>
+          <p:nvPr>
+            <p:ph type="sldNum" sz="quarter" idx="12"/>
+          </p:nvPr>
+        </p:nvSpPr>
+        <p:spPr/>
+        <p:txBody>
+          <a:bodyPr/>
+          <a:lstStyle/>
+          <a:p>
+            <a:fld id="{3DD209D1-1A67-41ED-9987-4447C459BBD5}" type="slidenum">
+              <a:rPr lang="en-GB" smtClean="0"/>
+              <a:t>9</a:t>
+            </a:fld>
+            <a:endParaRPr lang="en-GB" dirty="0"/>
           </a:p>
         </p:txBody>
       </p:sp>
@@ -8119,4 +8601,289 @@
   <a:objectDefaults/>
   <a:extraClrSchemeLst/>
 </a:theme>
+</file>
+
+<file path=ppt/theme/theme3.xml><?xml version="1.0" encoding="utf-8"?>
+<a:theme xmlns:a="http://schemas.openxmlformats.org/drawingml/2006/main" name="Office Theme">
+  <a:themeElements>
+    <a:clrScheme name="Office">
+      <a:dk1>
+        <a:sysClr val="windowText" lastClr="000000"/>
+      </a:dk1>
+      <a:lt1>
+        <a:sysClr val="window" lastClr="FFFFFF"/>
+      </a:lt1>
+      <a:dk2>
+        <a:srgbClr val="1F497D"/>
+      </a:dk2>
+      <a:lt2>
+        <a:srgbClr val="EEECE1"/>
+      </a:lt2>
+      <a:accent1>
+        <a:srgbClr val="4F81BD"/>
+      </a:accent1>
+      <a:accent2>
+        <a:srgbClr val="C0504D"/>
+      </a:accent2>
+      <a:accent3>
+        <a:srgbClr val="9BBB59"/>
+      </a:accent3>
+      <a:accent4>
+        <a:srgbClr val="8064A2"/>
+      </a:accent4>
+      <a:accent5>
+        <a:srgbClr val="4BACC6"/>
+      </a:accent5>
+      <a:accent6>
+        <a:srgbClr val="F79646"/>
+      </a:accent6>
+      <a:hlink>
+        <a:srgbClr val="0000FF"/>
+      </a:hlink>
+      <a:folHlink>
+        <a:srgbClr val="800080"/>
+      </a:folHlink>
+    </a:clrScheme>
+    <a:fontScheme name="Office">
+      <a:majorFont>
+        <a:latin typeface="Calibri"/>
+        <a:ea typeface=""/>
+        <a:cs typeface=""/>
+        <a:font script="Jpan" typeface="ＭＳ Ｐゴシック"/>
+        <a:font script="Hang" typeface="맑은 고딕"/>
+        <a:font script="Hans" typeface="宋体"/>
+        <a:font script="Hant" typeface="新細明體"/>
+        <a:font script="Arab" typeface="Times New Roman"/>
+        <a:font script="Hebr" typeface="Times New Roman"/>
+        <a:font script="Thai" typeface="Angsana New"/>
+        <a:font script="Ethi" typeface="Nyala"/>
+        <a:font script="Beng" typeface="Vrinda"/>
+        <a:font script="Gujr" typeface="Shruti"/>
+        <a:font script="Khmr" typeface="MoolBoran"/>
+        <a:font script="Knda" typeface="Tunga"/>
+        <a:font script="Guru" typeface="Raavi"/>
+        <a:font script="Cans" typeface="Euphemia"/>
+        <a:font script="Cher" typeface="Plantagenet Cherokee"/>
+        <a:font script="Yiii" typeface="Microsoft Yi Baiti"/>
+        <a:font script="Tibt" typeface="Microsoft Himalaya"/>
+        <a:font script="Thaa" typeface="MV Boli"/>
+        <a:font script="Deva" typeface="Mangal"/>
+        <a:font script="Telu" typeface="Gautami"/>
+        <a:font script="Taml" typeface="Latha"/>
+        <a:font script="Syrc" typeface="Estrangelo Edessa"/>
+        <a:font script="Orya" typeface="Kalinga"/>
+        <a:font script="Mlym" typeface="Kartika"/>
+        <a:font script="Laoo" typeface="DokChampa"/>
+        <a:font script="Sinh" typeface="Iskoola Pota"/>
+        <a:font script="Mong" typeface="Mongolian Baiti"/>
+        <a:font script="Viet" typeface="Times New Roman"/>
+        <a:font script="Uigh" typeface="Microsoft Uighur"/>
+        <a:font script="Geor" typeface="Sylfaen"/>
+      </a:majorFont>
+      <a:minorFont>
+        <a:latin typeface="Calibri"/>
+        <a:ea typeface=""/>
+        <a:cs typeface=""/>
+        <a:font script="Jpan" typeface="ＭＳ Ｐゴシック"/>
+        <a:font script="Hang" typeface="맑은 고딕"/>
+        <a:font script="Hans" typeface="宋体"/>
+        <a:font script="Hant" typeface="新細明體"/>
+        <a:font script="Arab" typeface="Arial"/>
+        <a:font script="Hebr" typeface="Arial"/>
+        <a:font script="Thai" typeface="Cordia New"/>
+        <a:font script="Ethi" typeface="Nyala"/>
+        <a:font script="Beng" typeface="Vrinda"/>
+        <a:font script="Gujr" typeface="Shruti"/>
+        <a:font script="Khmr" typeface="DaunPenh"/>
+        <a:font script="Knda" typeface="Tunga"/>
+        <a:font script="Guru" typeface="Raavi"/>
+        <a:font script="Cans" typeface="Euphemia"/>
+        <a:font script="Cher" typeface="Plantagenet Cherokee"/>
+        <a:font script="Yiii" typeface="Microsoft Yi Baiti"/>
+        <a:font script="Tibt" typeface="Microsoft Himalaya"/>
+        <a:font script="Thaa" typeface="MV Boli"/>
+        <a:font script="Deva" typeface="Mangal"/>
+        <a:font script="Telu" typeface="Gautami"/>
+        <a:font script="Taml" typeface="Latha"/>
+        <a:font script="Syrc" typeface="Estrangelo Edessa"/>
+        <a:font script="Orya" typeface="Kalinga"/>
+        <a:font script="Mlym" typeface="Kartika"/>
+        <a:font script="Laoo" typeface="DokChampa"/>
+        <a:font script="Sinh" typeface="Iskoola Pota"/>
+        <a:font script="Mong" typeface="Mongolian Baiti"/>
+        <a:font script="Viet" typeface="Arial"/>
+        <a:font script="Uigh" typeface="Microsoft Uighur"/>
+        <a:font script="Geor" typeface="Sylfaen"/>
+      </a:minorFont>
+    </a:fontScheme>
+    <a:fmtScheme name="Office">
+      <a:fillStyleLst>
+        <a:solidFill>
+          <a:schemeClr val="phClr"/>
+        </a:solidFill>
+        <a:gradFill rotWithShape="1">
+          <a:gsLst>
+            <a:gs pos="0">
+              <a:schemeClr val="phClr">
+                <a:tint val="50000"/>
+                <a:satMod val="300000"/>
+              </a:schemeClr>
+            </a:gs>
+            <a:gs pos="35000">
+              <a:schemeClr val="phClr">
+                <a:tint val="37000"/>
+                <a:satMod val="300000"/>
+              </a:schemeClr>
+            </a:gs>
+            <a:gs pos="100000">
+              <a:schemeClr val="phClr">
+                <a:tint val="15000"/>
+                <a:satMod val="350000"/>
+              </a:schemeClr>
+            </a:gs>
+          </a:gsLst>
+          <a:lin ang="16200000" scaled="1"/>
+        </a:gradFill>
+        <a:gradFill rotWithShape="1">
+          <a:gsLst>
+            <a:gs pos="0">
+              <a:schemeClr val="phClr">
+                <a:shade val="51000"/>
+                <a:satMod val="130000"/>
+              </a:schemeClr>
+            </a:gs>
+            <a:gs pos="80000">
+              <a:schemeClr val="phClr">
+                <a:shade val="93000"/>
+                <a:satMod val="130000"/>
+              </a:schemeClr>
+            </a:gs>
+            <a:gs pos="100000">
+              <a:schemeClr val="phClr">
+                <a:shade val="94000"/>
+                <a:satMod val="135000"/>
+              </a:schemeClr>
+            </a:gs>
+          </a:gsLst>
+          <a:lin ang="16200000" scaled="0"/>
+        </a:gradFill>
+      </a:fillStyleLst>
+      <a:lnStyleLst>
+        <a:ln w="9525" cap="flat" cmpd="sng" algn="ctr">
+          <a:solidFill>
+            <a:schemeClr val="phClr">
+              <a:shade val="95000"/>
+              <a:satMod val="105000"/>
+            </a:schemeClr>
+          </a:solidFill>
+          <a:prstDash val="solid"/>
+        </a:ln>
+        <a:ln w="25400" cap="flat" cmpd="sng" algn="ctr">
+          <a:solidFill>
+            <a:schemeClr val="phClr"/>
+          </a:solidFill>
+          <a:prstDash val="solid"/>
+        </a:ln>
+        <a:ln w="38100" cap="flat" cmpd="sng" algn="ctr">
+          <a:solidFill>
+            <a:schemeClr val="phClr"/>
+          </a:solidFill>
+          <a:prstDash val="solid"/>
+        </a:ln>
+      </a:lnStyleLst>
+      <a:effectStyleLst>
+        <a:effectStyle>
+          <a:effectLst>
+            <a:outerShdw blurRad="40000" dist="20000" dir="5400000" rotWithShape="0">
+              <a:srgbClr val="000000">
+                <a:alpha val="38000"/>
+              </a:srgbClr>
+            </a:outerShdw>
+          </a:effectLst>
+        </a:effectStyle>
+        <a:effectStyle>
+          <a:effectLst>
+            <a:outerShdw blurRad="40000" dist="23000" dir="5400000" rotWithShape="0">
+              <a:srgbClr val="000000">
+                <a:alpha val="35000"/>
+              </a:srgbClr>
+            </a:outerShdw>
+          </a:effectLst>
+        </a:effectStyle>
+        <a:effectStyle>
+          <a:effectLst>
+            <a:outerShdw blurRad="40000" dist="23000" dir="5400000" rotWithShape="0">
+              <a:srgbClr val="000000">
+                <a:alpha val="35000"/>
+              </a:srgbClr>
+            </a:outerShdw>
+          </a:effectLst>
+          <a:scene3d>
+            <a:camera prst="orthographicFront">
+              <a:rot lat="0" lon="0" rev="0"/>
+            </a:camera>
+            <a:lightRig rig="threePt" dir="t">
+              <a:rot lat="0" lon="0" rev="1200000"/>
+            </a:lightRig>
+          </a:scene3d>
+          <a:sp3d>
+            <a:bevelT w="63500" h="25400"/>
+          </a:sp3d>
+        </a:effectStyle>
+      </a:effectStyleLst>
+      <a:bgFillStyleLst>
+        <a:solidFill>
+          <a:schemeClr val="phClr"/>
+        </a:solidFill>
+        <a:gradFill rotWithShape="1">
+          <a:gsLst>
+            <a:gs pos="0">
+              <a:schemeClr val="phClr">
+                <a:tint val="40000"/>
+                <a:satMod val="350000"/>
+              </a:schemeClr>
+            </a:gs>
+            <a:gs pos="40000">
+              <a:schemeClr val="phClr">
+                <a:tint val="45000"/>
+                <a:shade val="99000"/>
+                <a:satMod val="350000"/>
+              </a:schemeClr>
+            </a:gs>
+            <a:gs pos="100000">
+              <a:schemeClr val="phClr">
+                <a:shade val="20000"/>
+                <a:satMod val="255000"/>
+              </a:schemeClr>
+            </a:gs>
+          </a:gsLst>
+          <a:path path="circle">
+            <a:fillToRect l="50000" t="-80000" r="50000" b="180000"/>
+          </a:path>
+        </a:gradFill>
+        <a:gradFill rotWithShape="1">
+          <a:gsLst>
+            <a:gs pos="0">
+              <a:schemeClr val="phClr">
+                <a:tint val="80000"/>
+                <a:satMod val="300000"/>
+              </a:schemeClr>
+            </a:gs>
+            <a:gs pos="100000">
+              <a:schemeClr val="phClr">
+                <a:shade val="30000"/>
+                <a:satMod val="200000"/>
+              </a:schemeClr>
+            </a:gs>
+          </a:gsLst>
+          <a:path path="circle">
+            <a:fillToRect l="50000" t="50000" r="50000" b="50000"/>
+          </a:path>
+        </a:gradFill>
+      </a:bgFillStyleLst>
+    </a:fmtScheme>
+  </a:themeElements>
+  <a:objectDefaults/>
+  <a:extraClrSchemeLst/>
+</a:theme>
 </file>
--- a/LG presentation_condensed.pptx
+++ b/LG presentation_condensed.pptx
@@ -5205,23 +5205,7 @@
                   <a:schemeClr val="tx2"/>
                 </a:solidFill>
               </a:rPr>
-              <a:t>Parameter tuning and feature </a:t>
-            </a:r>
-            <a:r>
-              <a:rPr lang="en-GB" sz="1800" dirty="0" smtClean="0">
-                <a:solidFill>
-                  <a:schemeClr val="tx2"/>
-                </a:solidFill>
-              </a:rPr>
-              <a:t>selection improved </a:t>
-            </a:r>
-            <a:r>
-              <a:rPr lang="en-GB" sz="1800" dirty="0" smtClean="0">
-                <a:solidFill>
-                  <a:schemeClr val="tx2"/>
-                </a:solidFill>
-              </a:rPr>
-              <a:t>the score.</a:t>
+              <a:t>Parameter tuning and feature selection improved the score.</a:t>
             </a:r>
             <a:endParaRPr lang="en-GB" sz="1800" dirty="0">
               <a:solidFill>
@@ -5302,16 +5286,29 @@
             <p:ph type="sldNum" sz="quarter" idx="12"/>
           </p:nvPr>
         </p:nvSpPr>
-        <p:spPr/>
+        <p:spPr>
+          <a:xfrm>
+            <a:off x="7620000" y="6453336"/>
+            <a:ext cx="1066800" cy="329184"/>
+          </a:xfrm>
+        </p:spPr>
         <p:txBody>
           <a:bodyPr/>
           <a:lstStyle/>
           <a:p>
             <a:fld id="{3DD209D1-1A67-41ED-9987-4447C459BBD5}" type="slidenum">
-              <a:rPr lang="en-GB" smtClean="0"/>
+              <a:rPr lang="en-GB" smtClean="0">
+                <a:solidFill>
+                  <a:schemeClr val="tx2"/>
+                </a:solidFill>
+              </a:rPr>
               <a:t>10</a:t>
             </a:fld>
-            <a:endParaRPr lang="en-GB" dirty="0"/>
+            <a:endParaRPr lang="en-GB" dirty="0">
+              <a:solidFill>
+                <a:schemeClr val="tx2"/>
+              </a:solidFill>
+            </a:endParaRPr>
           </a:p>
         </p:txBody>
       </p:sp>
@@ -5603,16 +5600,29 @@
             <p:ph type="sldNum" sz="quarter" idx="12"/>
           </p:nvPr>
         </p:nvSpPr>
-        <p:spPr/>
+        <p:spPr>
+          <a:xfrm>
+            <a:off x="7620000" y="6453336"/>
+            <a:ext cx="1066800" cy="329184"/>
+          </a:xfrm>
+        </p:spPr>
         <p:txBody>
           <a:bodyPr/>
           <a:lstStyle/>
           <a:p>
             <a:fld id="{3DD209D1-1A67-41ED-9987-4447C459BBD5}" type="slidenum">
-              <a:rPr lang="en-GB" smtClean="0"/>
+              <a:rPr lang="en-GB" smtClean="0">
+                <a:solidFill>
+                  <a:schemeClr val="tx2"/>
+                </a:solidFill>
+              </a:rPr>
               <a:t>11</a:t>
             </a:fld>
-            <a:endParaRPr lang="en-GB" dirty="0"/>
+            <a:endParaRPr lang="en-GB" dirty="0">
+              <a:solidFill>
+                <a:schemeClr val="tx2"/>
+              </a:solidFill>
+            </a:endParaRPr>
           </a:p>
         </p:txBody>
       </p:sp>
@@ -5808,16 +5818,29 @@
             <p:ph type="sldNum" sz="quarter" idx="12"/>
           </p:nvPr>
         </p:nvSpPr>
-        <p:spPr/>
+        <p:spPr>
+          <a:xfrm>
+            <a:off x="7620000" y="6453336"/>
+            <a:ext cx="1066800" cy="329184"/>
+          </a:xfrm>
+        </p:spPr>
         <p:txBody>
           <a:bodyPr/>
           <a:lstStyle/>
           <a:p>
             <a:fld id="{3DD209D1-1A67-41ED-9987-4447C459BBD5}" type="slidenum">
-              <a:rPr lang="en-GB" smtClean="0"/>
+              <a:rPr lang="en-GB" smtClean="0">
+                <a:solidFill>
+                  <a:schemeClr val="tx2"/>
+                </a:solidFill>
+              </a:rPr>
               <a:t>2</a:t>
             </a:fld>
-            <a:endParaRPr lang="en-GB" dirty="0"/>
+            <a:endParaRPr lang="en-GB" dirty="0">
+              <a:solidFill>
+                <a:schemeClr val="tx2"/>
+              </a:solidFill>
+            </a:endParaRPr>
           </a:p>
         </p:txBody>
       </p:sp>
@@ -5976,16 +5999,29 @@
             <p:ph type="sldNum" sz="quarter" idx="12"/>
           </p:nvPr>
         </p:nvSpPr>
-        <p:spPr/>
+        <p:spPr>
+          <a:xfrm>
+            <a:off x="7620000" y="6453336"/>
+            <a:ext cx="1066800" cy="329184"/>
+          </a:xfrm>
+        </p:spPr>
         <p:txBody>
           <a:bodyPr/>
           <a:lstStyle/>
           <a:p>
             <a:fld id="{3DD209D1-1A67-41ED-9987-4447C459BBD5}" type="slidenum">
-              <a:rPr lang="en-GB" smtClean="0"/>
+              <a:rPr lang="en-GB" smtClean="0">
+                <a:solidFill>
+                  <a:schemeClr val="tx2"/>
+                </a:solidFill>
+              </a:rPr>
               <a:t>3</a:t>
             </a:fld>
-            <a:endParaRPr lang="en-GB" dirty="0"/>
+            <a:endParaRPr lang="en-GB" dirty="0">
+              <a:solidFill>
+                <a:schemeClr val="tx2"/>
+              </a:solidFill>
+            </a:endParaRPr>
           </a:p>
         </p:txBody>
       </p:sp>
@@ -6484,16 +6520,29 @@
             <p:ph type="sldNum" sz="quarter" idx="12"/>
           </p:nvPr>
         </p:nvSpPr>
-        <p:spPr/>
+        <p:spPr>
+          <a:xfrm>
+            <a:off x="7620000" y="6453336"/>
+            <a:ext cx="1066800" cy="329184"/>
+          </a:xfrm>
+        </p:spPr>
         <p:txBody>
           <a:bodyPr/>
           <a:lstStyle/>
           <a:p>
             <a:fld id="{3DD209D1-1A67-41ED-9987-4447C459BBD5}" type="slidenum">
-              <a:rPr lang="en-GB" smtClean="0"/>
+              <a:rPr lang="en-GB" smtClean="0">
+                <a:solidFill>
+                  <a:schemeClr val="tx2"/>
+                </a:solidFill>
+              </a:rPr>
               <a:t>4</a:t>
             </a:fld>
-            <a:endParaRPr lang="en-GB" dirty="0"/>
+            <a:endParaRPr lang="en-GB" dirty="0">
+              <a:solidFill>
+                <a:schemeClr val="tx2"/>
+              </a:solidFill>
+            </a:endParaRPr>
           </a:p>
         </p:txBody>
       </p:sp>
@@ -6737,16 +6786,29 @@
             <p:ph type="sldNum" sz="quarter" idx="12"/>
           </p:nvPr>
         </p:nvSpPr>
-        <p:spPr/>
+        <p:spPr>
+          <a:xfrm>
+            <a:off x="7620000" y="6453336"/>
+            <a:ext cx="1066800" cy="329184"/>
+          </a:xfrm>
+        </p:spPr>
         <p:txBody>
           <a:bodyPr/>
           <a:lstStyle/>
           <a:p>
             <a:fld id="{3DD209D1-1A67-41ED-9987-4447C459BBD5}" type="slidenum">
-              <a:rPr lang="en-GB" smtClean="0"/>
+              <a:rPr lang="en-GB" smtClean="0">
+                <a:solidFill>
+                  <a:schemeClr val="tx2"/>
+                </a:solidFill>
+              </a:rPr>
               <a:t>5</a:t>
             </a:fld>
-            <a:endParaRPr lang="en-GB" dirty="0"/>
+            <a:endParaRPr lang="en-GB" dirty="0">
+              <a:solidFill>
+                <a:schemeClr val="tx2"/>
+              </a:solidFill>
+            </a:endParaRPr>
           </a:p>
         </p:txBody>
       </p:sp>
@@ -7050,16 +7112,29 @@
             <p:ph type="sldNum" sz="quarter" idx="12"/>
           </p:nvPr>
         </p:nvSpPr>
-        <p:spPr/>
+        <p:spPr>
+          <a:xfrm>
+            <a:off x="7620000" y="6453336"/>
+            <a:ext cx="1066800" cy="329184"/>
+          </a:xfrm>
+        </p:spPr>
         <p:txBody>
           <a:bodyPr/>
           <a:lstStyle/>
           <a:p>
             <a:fld id="{3DD209D1-1A67-41ED-9987-4447C459BBD5}" type="slidenum">
-              <a:rPr lang="en-GB" smtClean="0"/>
+              <a:rPr lang="en-GB" smtClean="0">
+                <a:solidFill>
+                  <a:schemeClr val="tx2"/>
+                </a:solidFill>
+              </a:rPr>
               <a:t>6</a:t>
             </a:fld>
-            <a:endParaRPr lang="en-GB" dirty="0"/>
+            <a:endParaRPr lang="en-GB" dirty="0">
+              <a:solidFill>
+                <a:schemeClr val="tx2"/>
+              </a:solidFill>
+            </a:endParaRPr>
           </a:p>
         </p:txBody>
       </p:sp>
@@ -7180,17 +7255,17 @@
         </p:nvSpPr>
         <p:spPr>
           <a:xfrm>
-            <a:off x="6386884" y="5733256"/>
+            <a:off x="6386884" y="5661248"/>
             <a:ext cx="2361580" cy="792088"/>
           </a:xfrm>
           <a:prstGeom prst="borderCallout2">
             <a:avLst>
-              <a:gd name="adj1" fmla="val 44237"/>
-              <a:gd name="adj2" fmla="val -6119"/>
-              <a:gd name="adj3" fmla="val 30744"/>
-              <a:gd name="adj4" fmla="val -14103"/>
-              <a:gd name="adj5" fmla="val 19799"/>
-              <a:gd name="adj6" fmla="val -21258"/>
+              <a:gd name="adj1" fmla="val 50234"/>
+              <a:gd name="adj2" fmla="val -5616"/>
+              <a:gd name="adj3" fmla="val 39740"/>
+              <a:gd name="adj4" fmla="val -12092"/>
+              <a:gd name="adj5" fmla="val 25796"/>
+              <a:gd name="adj6" fmla="val -19247"/>
             </a:avLst>
           </a:prstGeom>
         </p:spPr>
@@ -7216,13 +7291,8 @@
           <a:p>
             <a:r>
               <a:rPr lang="en-GB" b="1" dirty="0" smtClean="0"/>
-              <a:t>Initial AUC </a:t>
-            </a:r>
-            <a:r>
-              <a:rPr lang="en-GB" b="1" dirty="0" smtClean="0"/>
-              <a:t>score:</a:t>
-            </a:r>
-            <a:endParaRPr lang="en-GB" b="1" dirty="0" smtClean="0"/>
+              <a:t>Initial AUC score:</a:t>
+            </a:r>
           </a:p>
           <a:p>
             <a:r>
@@ -7293,16 +7363,29 @@
             <p:ph type="sldNum" sz="quarter" idx="12"/>
           </p:nvPr>
         </p:nvSpPr>
-        <p:spPr/>
+        <p:spPr>
+          <a:xfrm>
+            <a:off x="7620000" y="6453336"/>
+            <a:ext cx="1066800" cy="329184"/>
+          </a:xfrm>
+        </p:spPr>
         <p:txBody>
           <a:bodyPr/>
           <a:lstStyle/>
           <a:p>
             <a:fld id="{3DD209D1-1A67-41ED-9987-4447C459BBD5}" type="slidenum">
-              <a:rPr lang="en-GB" smtClean="0"/>
+              <a:rPr lang="en-GB" smtClean="0">
+                <a:solidFill>
+                  <a:schemeClr val="tx2"/>
+                </a:solidFill>
+              </a:rPr>
               <a:t>7</a:t>
             </a:fld>
-            <a:endParaRPr lang="en-GB" dirty="0"/>
+            <a:endParaRPr lang="en-GB" dirty="0">
+              <a:solidFill>
+                <a:schemeClr val="tx2"/>
+              </a:solidFill>
+            </a:endParaRPr>
           </a:p>
         </p:txBody>
       </p:sp>
@@ -7525,16 +7608,29 @@
             <p:ph type="sldNum" sz="quarter" idx="12"/>
           </p:nvPr>
         </p:nvSpPr>
-        <p:spPr/>
+        <p:spPr>
+          <a:xfrm>
+            <a:off x="7620000" y="6453336"/>
+            <a:ext cx="1066800" cy="329184"/>
+          </a:xfrm>
+        </p:spPr>
         <p:txBody>
           <a:bodyPr/>
           <a:lstStyle/>
           <a:p>
             <a:fld id="{3DD209D1-1A67-41ED-9987-4447C459BBD5}" type="slidenum">
-              <a:rPr lang="en-GB" smtClean="0"/>
+              <a:rPr lang="en-GB" smtClean="0">
+                <a:solidFill>
+                  <a:schemeClr val="tx2"/>
+                </a:solidFill>
+              </a:rPr>
               <a:t>8</a:t>
             </a:fld>
-            <a:endParaRPr lang="en-GB" dirty="0"/>
+            <a:endParaRPr lang="en-GB" dirty="0">
+              <a:solidFill>
+                <a:schemeClr val="tx2"/>
+              </a:solidFill>
+            </a:endParaRPr>
           </a:p>
         </p:txBody>
       </p:sp>
@@ -7875,15 +7971,7 @@
                   <a:schemeClr val="tx2"/>
                 </a:solidFill>
               </a:rPr>
-              <a:t>Loan Term 36 </a:t>
-            </a:r>
-            <a:r>
-              <a:rPr lang="en-GB" sz="1600" dirty="0" smtClean="0">
-                <a:solidFill>
-                  <a:schemeClr val="tx2"/>
-                </a:solidFill>
-              </a:rPr>
-              <a:t>Months</a:t>
+              <a:t>Loan Term 36 Months</a:t>
             </a:r>
           </a:p>
           <a:p>
@@ -7984,11 +8072,7 @@
           <a:p>
             <a:r>
               <a:rPr lang="en-GB" b="1" dirty="0" smtClean="0"/>
-              <a:t>Features with odd ratios of 1 have been </a:t>
-            </a:r>
-            <a:r>
-              <a:rPr lang="en-GB" b="1" dirty="0" smtClean="0"/>
-              <a:t>removed, which increased  the AUC score to 0.7223.</a:t>
+              <a:t>Features with odd ratios of 1 have been removed, which increased  the AUC score to 0.7223.</a:t>
             </a:r>
             <a:endParaRPr lang="en-GB" b="1" dirty="0"/>
           </a:p>
@@ -8004,16 +8088,29 @@
             <p:ph type="sldNum" sz="quarter" idx="12"/>
           </p:nvPr>
         </p:nvSpPr>
-        <p:spPr/>
+        <p:spPr>
+          <a:xfrm>
+            <a:off x="7620000" y="6453336"/>
+            <a:ext cx="1066800" cy="329184"/>
+          </a:xfrm>
+        </p:spPr>
         <p:txBody>
           <a:bodyPr/>
           <a:lstStyle/>
           <a:p>
             <a:fld id="{3DD209D1-1A67-41ED-9987-4447C459BBD5}" type="slidenum">
-              <a:rPr lang="en-GB" smtClean="0"/>
+              <a:rPr lang="en-GB" smtClean="0">
+                <a:solidFill>
+                  <a:schemeClr val="tx2"/>
+                </a:solidFill>
+              </a:rPr>
               <a:t>9</a:t>
             </a:fld>
-            <a:endParaRPr lang="en-GB" dirty="0"/>
+            <a:endParaRPr lang="en-GB" dirty="0">
+              <a:solidFill>
+                <a:schemeClr val="tx2"/>
+              </a:solidFill>
+            </a:endParaRPr>
           </a:p>
         </p:txBody>
       </p:sp>

--- a/LG presentation_condensed.pptx
+++ b/LG presentation_condensed.pptx
@@ -7681,7 +7681,11 @@
           <a:p>
             <a:r>
               <a:rPr lang="en-GB" dirty="0" smtClean="0"/>
-              <a:t>Results: Feature selection</a:t>
+              <a:t>Classification: </a:t>
+            </a:r>
+            <a:r>
+              <a:rPr lang="en-GB" dirty="0" smtClean="0"/>
+              <a:t>Feature selection</a:t>
             </a:r>
             <a:endParaRPr lang="en-GB" dirty="0"/>
           </a:p>
